--- a/Presentations/IEDA_RAD_initial.pptx
+++ b/Presentations/IEDA_RAD_initial.pptx
@@ -5329,8 +5329,8 @@
         </p:nvSpPr>
         <p:spPr bwMode="auto">
           <a:xfrm>
-            <a:off x="342900" y="1020763"/>
-            <a:ext cx="7981950" cy="4093428"/>
+            <a:off x="990600" y="1905000"/>
+            <a:ext cx="7981950" cy="2862322"/>
           </a:xfrm>
           <a:prstGeom prst="rect">
             <a:avLst/>
@@ -5368,69 +5368,13 @@
                 <a:ea typeface="ＭＳ Ｐゴシック" charset="0"/>
                 <a:cs typeface="ＭＳ Ｐゴシック" charset="0"/>
               </a:rPr>
-              <a:t>Compare Metadata Evaluation Techniques</a:t>
-            </a:r>
-          </a:p>
-          <a:p>
-            <a:pPr marL="800100" lvl="1" indent="-342900" eaLnBrk="1" hangingPunct="1">
-              <a:buFont typeface="Arial"/>
-              <a:buChar char="•"/>
-              <a:defRPr/>
-            </a:pPr>
-            <a:r>
-              <a:rPr lang="en-US" sz="2000" dirty="0" smtClean="0">
-                <a:latin typeface="+mn-lt"/>
-                <a:ea typeface="ＭＳ Ｐゴシック" charset="0"/>
-                <a:cs typeface="ＭＳ Ｐゴシック" charset="0"/>
-              </a:rPr>
-              <a:t>RAD Approach</a:t>
-            </a:r>
-          </a:p>
-          <a:p>
-            <a:pPr marL="800100" lvl="1" indent="-342900" eaLnBrk="1" hangingPunct="1">
-              <a:buFont typeface="Arial"/>
-              <a:buChar char="•"/>
-              <a:defRPr/>
-            </a:pPr>
-            <a:r>
-              <a:rPr lang="en-US" sz="2000" dirty="0" smtClean="0">
-                <a:latin typeface="+mn-lt"/>
-                <a:ea typeface="ＭＳ Ｐゴシック" charset="0"/>
-                <a:cs typeface="ＭＳ Ｐゴシック" charset="0"/>
-              </a:rPr>
-              <a:t>TRAD Approach</a:t>
-            </a:r>
-          </a:p>
-          <a:p>
-            <a:pPr marL="800100" lvl="1" indent="-342900" eaLnBrk="1" hangingPunct="1">
-              <a:buFont typeface="Arial"/>
-              <a:buChar char="•"/>
-              <a:defRPr/>
-            </a:pPr>
-            <a:r>
-              <a:rPr lang="en-US" sz="2000" dirty="0" smtClean="0">
-                <a:latin typeface="+mn-lt"/>
-                <a:ea typeface="ＭＳ Ｐゴシック" charset="0"/>
-                <a:cs typeface="ＭＳ Ｐゴシック" charset="0"/>
-              </a:rPr>
-              <a:t>Quick </a:t>
-            </a:r>
-            <a:r>
-              <a:rPr lang="en-US" sz="2000" dirty="0" err="1" smtClean="0">
-                <a:latin typeface="+mn-lt"/>
-                <a:ea typeface="ＭＳ Ｐゴシック" charset="0"/>
-                <a:cs typeface="ＭＳ Ｐゴシック" charset="0"/>
-              </a:rPr>
-              <a:t>Eval</a:t>
-            </a:r>
-            <a:r>
-              <a:rPr lang="en-US" sz="2000" dirty="0" smtClean="0">
-                <a:latin typeface="+mn-lt"/>
-                <a:ea typeface="ＭＳ Ｐゴシック" charset="0"/>
-                <a:cs typeface="ＭＳ Ｐゴシック" charset="0"/>
-              </a:rPr>
-              <a:t> Reports</a:t>
-            </a:r>
+              <a:t>Go over Recommendations Analysis Dashboard</a:t>
+            </a:r>
+            <a:endParaRPr lang="en-US" sz="2000" dirty="0" smtClean="0">
+              <a:latin typeface="+mn-lt"/>
+              <a:ea typeface="ＭＳ Ｐゴシック" charset="0"/>
+              <a:cs typeface="ＭＳ Ｐゴシック" charset="0"/>
+            </a:endParaRPr>
           </a:p>
           <a:p>
             <a:pPr marL="342900" indent="-342900" eaLnBrk="1" hangingPunct="1">
@@ -5446,31 +5390,21 @@
           </a:p>
           <a:p>
             <a:pPr marL="342900" indent="-342900" eaLnBrk="1" hangingPunct="1">
-              <a:buFont typeface="Arial"/>
+              <a:buFont typeface="Arial" charset="0"/>
               <a:buChar char="•"/>
               <a:defRPr/>
             </a:pPr>
-            <a:r>
-              <a:rPr lang="en-US" sz="2000" dirty="0" err="1" smtClean="0">
-                <a:latin typeface="+mn-lt"/>
-                <a:ea typeface="ＭＳ Ｐゴシック" charset="0"/>
-                <a:cs typeface="ＭＳ Ｐゴシック" charset="0"/>
-              </a:rPr>
-              <a:t>GeoTraces</a:t>
-            </a:r>
             <a:r>
               <a:rPr lang="en-US" sz="2000" dirty="0" smtClean="0">
                 <a:latin typeface="+mn-lt"/>
                 <a:ea typeface="ＭＳ Ｐゴシック" charset="0"/>
                 <a:cs typeface="ＭＳ Ｐゴシック" charset="0"/>
               </a:rPr>
-              <a:t> Metadata RAD Report (Summer ESIP)</a:t>
-            </a:r>
-          </a:p>
-          <a:p>
-            <a:pPr marL="342900" indent="-342900" eaLnBrk="1" hangingPunct="1">
-              <a:buFont typeface="Arial"/>
-              <a:buChar char="•"/>
+              <a:t>Focus on what recommendation profiles are important to your community</a:t>
+            </a:r>
+          </a:p>
+          <a:p>
+            <a:pPr lvl="1" eaLnBrk="1" hangingPunct="1">
               <a:defRPr/>
             </a:pPr>
             <a:endParaRPr lang="en-US" sz="2000" dirty="0">
@@ -5481,58 +5415,18 @@
           </a:p>
           <a:p>
             <a:pPr marL="342900" indent="-342900" eaLnBrk="1" hangingPunct="1">
-              <a:buFont typeface="Arial"/>
+              <a:buFont typeface="Arial" charset="0"/>
               <a:buChar char="•"/>
               <a:defRPr/>
             </a:pPr>
-            <a:r>
-              <a:rPr lang="en-US" sz="2000" dirty="0" err="1" smtClean="0">
-                <a:latin typeface="+mn-lt"/>
-                <a:ea typeface="ＭＳ Ｐゴシック" charset="0"/>
-                <a:cs typeface="ＭＳ Ｐゴシック" charset="0"/>
-              </a:rPr>
-              <a:t>GeoTraces</a:t>
-            </a:r>
             <a:r>
               <a:rPr lang="en-US" sz="2000" dirty="0" smtClean="0">
                 <a:latin typeface="+mn-lt"/>
                 <a:ea typeface="ＭＳ Ｐゴシック" charset="0"/>
                 <a:cs typeface="ＭＳ Ｐゴシック" charset="0"/>
               </a:rPr>
-              <a:t> Updated Metadata RAD Report (October)</a:t>
-            </a:r>
-          </a:p>
-          <a:p>
-            <a:pPr marL="342900" indent="-342900" eaLnBrk="1" hangingPunct="1">
-              <a:buFont typeface="Arial"/>
-              <a:buChar char="•"/>
-              <a:defRPr/>
-            </a:pPr>
-            <a:endParaRPr lang="en-US" sz="2000" dirty="0">
-              <a:latin typeface="+mn-lt"/>
-              <a:ea typeface="ＭＳ Ｐゴシック" charset="0"/>
-              <a:cs typeface="ＭＳ Ｐゴシック" charset="0"/>
-            </a:endParaRPr>
-          </a:p>
-          <a:p>
-            <a:pPr marL="342900" indent="-342900" eaLnBrk="1" hangingPunct="1">
-              <a:buFont typeface="Arial"/>
-              <a:buChar char="•"/>
-              <a:defRPr/>
-            </a:pPr>
-            <a:r>
-              <a:rPr lang="en-US" sz="2000" dirty="0" smtClean="0">
-                <a:latin typeface="+mn-lt"/>
-                <a:ea typeface="ＭＳ Ｐゴシック" charset="0"/>
-                <a:cs typeface="ＭＳ Ｐゴシック" charset="0"/>
-              </a:rPr>
-              <a:t>Goals for November Workshop?</a:t>
-            </a:r>
-          </a:p>
-          <a:p>
-            <a:pPr lvl="1" eaLnBrk="1" hangingPunct="1">
-              <a:defRPr/>
-            </a:pPr>
+              <a:t>Determine additional collections to analyze for next step; actionable guidance</a:t>
+            </a:r>
             <a:endParaRPr lang="en-US" sz="2000" dirty="0" smtClean="0">
               <a:latin typeface="+mn-lt"/>
               <a:ea typeface="ＭＳ Ｐゴシック" charset="0"/>
@@ -7774,7 +7668,7 @@
         </p:nvSpPr>
         <p:spPr>
           <a:xfrm>
-            <a:off x="266700" y="1143000"/>
+            <a:off x="990600" y="2514600"/>
             <a:ext cx="8521700" cy="2862322"/>
           </a:xfrm>
           <a:prstGeom prst="rect">
@@ -7796,8 +7690,10 @@
               <a:rPr lang="en-US" dirty="0" smtClean="0"/>
               <a:t> recommendation profiles </a:t>
             </a:r>
-            <a:r>
-              <a:rPr lang="en-US" dirty="0"/>
+          </a:p>
+          <a:p>
+            <a:r>
+              <a:rPr lang="en-US" dirty="0" smtClean="0"/>
               <a:t>(</a:t>
             </a:r>
             <a:r>

--- a/Presentations/IEDA_RAD_initial.pptx
+++ b/Presentations/IEDA_RAD_initial.pptx
@@ -311,7 +311,7 @@
               <a:pPr>
                 <a:defRPr/>
               </a:pPr>
-              <a:t>10/20/16</a:t>
+              <a:t>10/28/16</a:t>
             </a:fld>
             <a:endParaRPr lang="en-US" altLang="en-US"/>
           </a:p>
@@ -523,7 +523,7 @@
               <a:pPr>
                 <a:defRPr/>
               </a:pPr>
-              <a:t>10/20/16</a:t>
+              <a:t>10/28/16</a:t>
             </a:fld>
             <a:endParaRPr lang="en-US" altLang="en-US"/>
           </a:p>
@@ -879,14 +879,14 @@
           <a:noFill/>
           <a:extLst>
             <a:ext uri="{909E8E84-426E-40dd-AFC4-6F175D3DCCD1}">
-              <a14:hiddenFill xmlns="" xmlns:a14="http://schemas.microsoft.com/office/drawing/2010/main">
+              <a14:hiddenFill xmlns:a14="http://schemas.microsoft.com/office/drawing/2010/main" xmlns="">
                 <a:solidFill>
                   <a:srgbClr val="FFFFFF"/>
                 </a:solidFill>
               </a14:hiddenFill>
             </a:ext>
             <a:ext uri="{91240B29-F687-4f45-9708-019B960494DF}">
-              <a14:hiddenLine xmlns="" xmlns:a14="http://schemas.microsoft.com/office/drawing/2010/main" w="9525">
+              <a14:hiddenLine xmlns:a14="http://schemas.microsoft.com/office/drawing/2010/main" xmlns="" w="9525">
                 <a:solidFill>
                   <a:srgbClr val="000000"/>
                 </a:solidFill>
@@ -1049,7 +1049,7 @@
               <ma14:placeholderFlag xmlns:ma14="http://schemas.microsoft.com/office/mac/drawingml/2011/main" val="1"/>
             </a:ext>
             <a:ext uri="{909E8E84-426E-40dd-AFC4-6F175D3DCCD1}">
-              <a14:hiddenFill xmlns="" xmlns:a14="http://schemas.microsoft.com/office/drawing/2010/main">
+              <a14:hiddenFill xmlns:a14="http://schemas.microsoft.com/office/drawing/2010/main" xmlns="">
                 <a:solidFill>
                   <a:srgbClr val="FFFFFF"/>
                 </a:solidFill>
@@ -1079,14 +1079,14 @@
               <ma14:placeholderFlag xmlns:ma14="http://schemas.microsoft.com/office/mac/drawingml/2011/main" val="1"/>
             </a:ext>
             <a:ext uri="{909E8E84-426E-40dd-AFC4-6F175D3DCCD1}">
-              <a14:hiddenFill xmlns="" xmlns:a14="http://schemas.microsoft.com/office/drawing/2010/main">
+              <a14:hiddenFill xmlns:a14="http://schemas.microsoft.com/office/drawing/2010/main" xmlns="">
                 <a:solidFill>
                   <a:srgbClr val="FFFFFF"/>
                 </a:solidFill>
               </a14:hiddenFill>
             </a:ext>
             <a:ext uri="{91240B29-F687-4f45-9708-019B960494DF}">
-              <a14:hiddenLine xmlns="" xmlns:a14="http://schemas.microsoft.com/office/drawing/2010/main" w="9525">
+              <a14:hiddenLine xmlns:a14="http://schemas.microsoft.com/office/drawing/2010/main" xmlns="" w="9525">
                 <a:solidFill>
                   <a:srgbClr val="000000"/>
                 </a:solidFill>
@@ -1171,7 +1171,7 @@
               <ma14:placeholderFlag xmlns:ma14="http://schemas.microsoft.com/office/mac/drawingml/2011/main" val="1"/>
             </a:ext>
             <a:ext uri="{909E8E84-426E-40dd-AFC4-6F175D3DCCD1}">
-              <a14:hiddenFill xmlns="" xmlns:a14="http://schemas.microsoft.com/office/drawing/2010/main">
+              <a14:hiddenFill xmlns:a14="http://schemas.microsoft.com/office/drawing/2010/main" xmlns="">
                 <a:solidFill>
                   <a:srgbClr val="FFFFFF"/>
                 </a:solidFill>
@@ -1197,14 +1197,14 @@
               <ma14:placeholderFlag xmlns:ma14="http://schemas.microsoft.com/office/mac/drawingml/2011/main" val="1"/>
             </a:ext>
             <a:ext uri="{909E8E84-426E-40dd-AFC4-6F175D3DCCD1}">
-              <a14:hiddenFill xmlns="" xmlns:a14="http://schemas.microsoft.com/office/drawing/2010/main">
+              <a14:hiddenFill xmlns:a14="http://schemas.microsoft.com/office/drawing/2010/main" xmlns="">
                 <a:solidFill>
                   <a:srgbClr val="FFFFFF"/>
                 </a:solidFill>
               </a14:hiddenFill>
             </a:ext>
             <a:ext uri="{91240B29-F687-4f45-9708-019B960494DF}">
-              <a14:hiddenLine xmlns="" xmlns:a14="http://schemas.microsoft.com/office/drawing/2010/main" w="9525">
+              <a14:hiddenLine xmlns:a14="http://schemas.microsoft.com/office/drawing/2010/main" xmlns="" w="9525">
                 <a:solidFill>
                   <a:srgbClr val="000000"/>
                 </a:solidFill>
@@ -1248,14 +1248,14 @@
           <a:noFill/>
           <a:extLst>
             <a:ext uri="{909E8E84-426E-40dd-AFC4-6F175D3DCCD1}">
-              <a14:hiddenFill xmlns="" xmlns:a14="http://schemas.microsoft.com/office/drawing/2010/main">
+              <a14:hiddenFill xmlns:a14="http://schemas.microsoft.com/office/drawing/2010/main" xmlns="">
                 <a:solidFill>
                   <a:srgbClr val="FFFFFF"/>
                 </a:solidFill>
               </a14:hiddenFill>
             </a:ext>
             <a:ext uri="{91240B29-F687-4f45-9708-019B960494DF}">
-              <a14:hiddenLine xmlns="" xmlns:a14="http://schemas.microsoft.com/office/drawing/2010/main" w="9525">
+              <a14:hiddenLine xmlns:a14="http://schemas.microsoft.com/office/drawing/2010/main" xmlns="" w="9525">
                 <a:solidFill>
                   <a:srgbClr val="000000"/>
                 </a:solidFill>
@@ -1444,7 +1444,7 @@
               <ma14:placeholderFlag xmlns:ma14="http://schemas.microsoft.com/office/mac/drawingml/2011/main" val="1"/>
             </a:ext>
             <a:ext uri="{909E8E84-426E-40dd-AFC4-6F175D3DCCD1}">
-              <a14:hiddenFill xmlns="" xmlns:a14="http://schemas.microsoft.com/office/drawing/2010/main">
+              <a14:hiddenFill xmlns:a14="http://schemas.microsoft.com/office/drawing/2010/main" xmlns="">
                 <a:solidFill>
                   <a:srgbClr val="FFFFFF"/>
                 </a:solidFill>
@@ -1470,14 +1470,14 @@
               <ma14:placeholderFlag xmlns:ma14="http://schemas.microsoft.com/office/mac/drawingml/2011/main" val="1"/>
             </a:ext>
             <a:ext uri="{909E8E84-426E-40dd-AFC4-6F175D3DCCD1}">
-              <a14:hiddenFill xmlns="" xmlns:a14="http://schemas.microsoft.com/office/drawing/2010/main">
+              <a14:hiddenFill xmlns:a14="http://schemas.microsoft.com/office/drawing/2010/main" xmlns="">
                 <a:solidFill>
                   <a:srgbClr val="FFFFFF"/>
                 </a:solidFill>
               </a14:hiddenFill>
             </a:ext>
             <a:ext uri="{91240B29-F687-4f45-9708-019B960494DF}">
-              <a14:hiddenLine xmlns="" xmlns:a14="http://schemas.microsoft.com/office/drawing/2010/main" w="9525">
+              <a14:hiddenLine xmlns:a14="http://schemas.microsoft.com/office/drawing/2010/main" xmlns="" w="9525">
                 <a:solidFill>
                   <a:srgbClr val="000000"/>
                 </a:solidFill>
@@ -1521,14 +1521,14 @@
           <a:noFill/>
           <a:extLst>
             <a:ext uri="{909E8E84-426E-40dd-AFC4-6F175D3DCCD1}">
-              <a14:hiddenFill xmlns="" xmlns:a14="http://schemas.microsoft.com/office/drawing/2010/main">
+              <a14:hiddenFill xmlns:a14="http://schemas.microsoft.com/office/drawing/2010/main" xmlns="">
                 <a:solidFill>
                   <a:srgbClr val="FFFFFF"/>
                 </a:solidFill>
               </a14:hiddenFill>
             </a:ext>
             <a:ext uri="{91240B29-F687-4f45-9708-019B960494DF}">
-              <a14:hiddenLine xmlns="" xmlns:a14="http://schemas.microsoft.com/office/drawing/2010/main" w="9525">
+              <a14:hiddenLine xmlns:a14="http://schemas.microsoft.com/office/drawing/2010/main" xmlns="" w="9525">
                 <a:solidFill>
                   <a:srgbClr val="000000"/>
                 </a:solidFill>
@@ -1853,7 +1853,7 @@
               <ma14:placeholderFlag xmlns:ma14="http://schemas.microsoft.com/office/mac/drawingml/2011/main" val="1"/>
             </a:ext>
             <a:ext uri="{909E8E84-426E-40dd-AFC4-6F175D3DCCD1}">
-              <a14:hiddenFill xmlns="" xmlns:a14="http://schemas.microsoft.com/office/drawing/2010/main">
+              <a14:hiddenFill xmlns:a14="http://schemas.microsoft.com/office/drawing/2010/main" xmlns="">
                 <a:solidFill>
                   <a:srgbClr val="FFFFFF"/>
                 </a:solidFill>
@@ -1879,14 +1879,14 @@
               <ma14:placeholderFlag xmlns:ma14="http://schemas.microsoft.com/office/mac/drawingml/2011/main" val="1"/>
             </a:ext>
             <a:ext uri="{909E8E84-426E-40dd-AFC4-6F175D3DCCD1}">
-              <a14:hiddenFill xmlns="" xmlns:a14="http://schemas.microsoft.com/office/drawing/2010/main">
+              <a14:hiddenFill xmlns:a14="http://schemas.microsoft.com/office/drawing/2010/main" xmlns="">
                 <a:solidFill>
                   <a:srgbClr val="FFFFFF"/>
                 </a:solidFill>
               </a14:hiddenFill>
             </a:ext>
             <a:ext uri="{91240B29-F687-4f45-9708-019B960494DF}">
-              <a14:hiddenLine xmlns="" xmlns:a14="http://schemas.microsoft.com/office/drawing/2010/main" w="9525">
+              <a14:hiddenLine xmlns:a14="http://schemas.microsoft.com/office/drawing/2010/main" xmlns="" w="9525">
                 <a:solidFill>
                   <a:srgbClr val="000000"/>
                 </a:solidFill>
@@ -1930,14 +1930,14 @@
           <a:noFill/>
           <a:extLst>
             <a:ext uri="{909E8E84-426E-40dd-AFC4-6F175D3DCCD1}">
-              <a14:hiddenFill xmlns="" xmlns:a14="http://schemas.microsoft.com/office/drawing/2010/main">
+              <a14:hiddenFill xmlns:a14="http://schemas.microsoft.com/office/drawing/2010/main" xmlns="">
                 <a:solidFill>
                   <a:srgbClr val="FFFFFF"/>
                 </a:solidFill>
               </a14:hiddenFill>
             </a:ext>
             <a:ext uri="{91240B29-F687-4f45-9708-019B960494DF}">
-              <a14:hiddenLine xmlns="" xmlns:a14="http://schemas.microsoft.com/office/drawing/2010/main" w="9525">
+              <a14:hiddenLine xmlns:a14="http://schemas.microsoft.com/office/drawing/2010/main" xmlns="" w="9525">
                 <a:solidFill>
                   <a:srgbClr val="000000"/>
                 </a:solidFill>
@@ -2126,7 +2126,7 @@
               <ma14:placeholderFlag xmlns:ma14="http://schemas.microsoft.com/office/mac/drawingml/2011/main" val="1"/>
             </a:ext>
             <a:ext uri="{909E8E84-426E-40dd-AFC4-6F175D3DCCD1}">
-              <a14:hiddenFill xmlns="" xmlns:a14="http://schemas.microsoft.com/office/drawing/2010/main">
+              <a14:hiddenFill xmlns:a14="http://schemas.microsoft.com/office/drawing/2010/main" xmlns="">
                 <a:solidFill>
                   <a:srgbClr val="FFFFFF"/>
                 </a:solidFill>
@@ -2152,14 +2152,14 @@
               <ma14:placeholderFlag xmlns:ma14="http://schemas.microsoft.com/office/mac/drawingml/2011/main" val="1"/>
             </a:ext>
             <a:ext uri="{909E8E84-426E-40dd-AFC4-6F175D3DCCD1}">
-              <a14:hiddenFill xmlns="" xmlns:a14="http://schemas.microsoft.com/office/drawing/2010/main">
+              <a14:hiddenFill xmlns:a14="http://schemas.microsoft.com/office/drawing/2010/main" xmlns="">
                 <a:solidFill>
                   <a:srgbClr val="FFFFFF"/>
                 </a:solidFill>
               </a14:hiddenFill>
             </a:ext>
             <a:ext uri="{91240B29-F687-4f45-9708-019B960494DF}">
-              <a14:hiddenLine xmlns="" xmlns:a14="http://schemas.microsoft.com/office/drawing/2010/main" w="9525">
+              <a14:hiddenLine xmlns:a14="http://schemas.microsoft.com/office/drawing/2010/main" xmlns="" w="9525">
                 <a:solidFill>
                   <a:srgbClr val="000000"/>
                 </a:solidFill>
@@ -2203,14 +2203,14 @@
           <a:noFill/>
           <a:extLst>
             <a:ext uri="{909E8E84-426E-40dd-AFC4-6F175D3DCCD1}">
-              <a14:hiddenFill xmlns="" xmlns:a14="http://schemas.microsoft.com/office/drawing/2010/main">
+              <a14:hiddenFill xmlns:a14="http://schemas.microsoft.com/office/drawing/2010/main" xmlns="">
                 <a:solidFill>
                   <a:srgbClr val="FFFFFF"/>
                 </a:solidFill>
               </a14:hiddenFill>
             </a:ext>
             <a:ext uri="{91240B29-F687-4f45-9708-019B960494DF}">
-              <a14:hiddenLine xmlns="" xmlns:a14="http://schemas.microsoft.com/office/drawing/2010/main" w="9525">
+              <a14:hiddenLine xmlns:a14="http://schemas.microsoft.com/office/drawing/2010/main" xmlns="" w="9525">
                 <a:solidFill>
                   <a:srgbClr val="000000"/>
                 </a:solidFill>
@@ -2409,14 +2409,14 @@
           </a:ln>
           <a:extLst>
             <a:ext uri="{909E8E84-426E-40dd-AFC4-6F175D3DCCD1}">
-              <a14:hiddenFill xmlns="" xmlns:a14="http://schemas.microsoft.com/office/drawing/2010/main">
+              <a14:hiddenFill xmlns:a14="http://schemas.microsoft.com/office/drawing/2010/main" xmlns="">
                 <a:solidFill>
                   <a:srgbClr val="FFFFFF"/>
                 </a:solidFill>
               </a14:hiddenFill>
             </a:ext>
             <a:ext uri="{91240B29-F687-4f45-9708-019B960494DF}">
-              <a14:hiddenLine xmlns="" xmlns:a14="http://schemas.microsoft.com/office/drawing/2010/main" w="9525">
+              <a14:hiddenLine xmlns:a14="http://schemas.microsoft.com/office/drawing/2010/main" xmlns="" w="9525">
                 <a:solidFill>
                   <a:srgbClr val="000000"/>
                 </a:solidFill>
@@ -4023,14 +4023,14 @@
           </a:ln>
           <a:extLst>
             <a:ext uri="{909E8E84-426E-40dd-AFC4-6F175D3DCCD1}">
-              <a14:hiddenFill xmlns="" xmlns:a14="http://schemas.microsoft.com/office/drawing/2010/main">
+              <a14:hiddenFill xmlns:a14="http://schemas.microsoft.com/office/drawing/2010/main" xmlns="">
                 <a:solidFill>
                   <a:srgbClr val="FFFFFF"/>
                 </a:solidFill>
               </a14:hiddenFill>
             </a:ext>
             <a:ext uri="{91240B29-F687-4f45-9708-019B960494DF}">
-              <a14:hiddenLine xmlns="" xmlns:a14="http://schemas.microsoft.com/office/drawing/2010/main" w="9525">
+              <a14:hiddenLine xmlns:a14="http://schemas.microsoft.com/office/drawing/2010/main" xmlns="" w="9525">
                 <a:solidFill>
                   <a:srgbClr val="000000"/>
                 </a:solidFill>
@@ -4069,14 +4069,14 @@
               <ma14:placeholderFlag xmlns:ma14="http://schemas.microsoft.com/office/mac/drawingml/2011/main" val="1"/>
             </a:ext>
             <a:ext uri="{909E8E84-426E-40dd-AFC4-6F175D3DCCD1}">
-              <a14:hiddenFill xmlns="" xmlns:a14="http://schemas.microsoft.com/office/drawing/2010/main">
+              <a14:hiddenFill xmlns:a14="http://schemas.microsoft.com/office/drawing/2010/main" xmlns="">
                 <a:solidFill>
                   <a:srgbClr val="FFFFFF"/>
                 </a:solidFill>
               </a14:hiddenFill>
             </a:ext>
             <a:ext uri="{91240B29-F687-4f45-9708-019B960494DF}">
-              <a14:hiddenLine xmlns="" xmlns:a14="http://schemas.microsoft.com/office/drawing/2010/main" w="9525">
+              <a14:hiddenLine xmlns:a14="http://schemas.microsoft.com/office/drawing/2010/main" xmlns="" w="9525">
                 <a:solidFill>
                   <a:srgbClr val="000000"/>
                 </a:solidFill>
@@ -4166,14 +4166,14 @@
           </a:ln>
           <a:extLst>
             <a:ext uri="{909E8E84-426E-40dd-AFC4-6F175D3DCCD1}">
-              <a14:hiddenFill xmlns="" xmlns:a14="http://schemas.microsoft.com/office/drawing/2010/main">
+              <a14:hiddenFill xmlns:a14="http://schemas.microsoft.com/office/drawing/2010/main" xmlns="">
                 <a:solidFill>
                   <a:srgbClr val="FFFFFF"/>
                 </a:solidFill>
               </a14:hiddenFill>
             </a:ext>
             <a:ext uri="{91240B29-F687-4f45-9708-019B960494DF}">
-              <a14:hiddenLine xmlns="" xmlns:a14="http://schemas.microsoft.com/office/drawing/2010/main" w="9525">
+              <a14:hiddenLine xmlns:a14="http://schemas.microsoft.com/office/drawing/2010/main" xmlns="" w="9525">
                 <a:solidFill>
                   <a:srgbClr val="000000"/>
                 </a:solidFill>
@@ -4230,14 +4230,14 @@
           </a:ln>
           <a:extLst>
             <a:ext uri="{909E8E84-426E-40dd-AFC4-6F175D3DCCD1}">
-              <a14:hiddenFill xmlns="" xmlns:a14="http://schemas.microsoft.com/office/drawing/2010/main">
+              <a14:hiddenFill xmlns:a14="http://schemas.microsoft.com/office/drawing/2010/main" xmlns="">
                 <a:solidFill>
                   <a:srgbClr val="FFFFFF"/>
                 </a:solidFill>
               </a14:hiddenFill>
             </a:ext>
             <a:ext uri="{91240B29-F687-4f45-9708-019B960494DF}">
-              <a14:hiddenLine xmlns="" xmlns:a14="http://schemas.microsoft.com/office/drawing/2010/main" w="9525">
+              <a14:hiddenLine xmlns:a14="http://schemas.microsoft.com/office/drawing/2010/main" xmlns="" w="9525">
                 <a:solidFill>
                   <a:srgbClr val="000000"/>
                 </a:solidFill>
@@ -4276,14 +4276,14 @@
               <ma14:placeholderFlag xmlns:ma14="http://schemas.microsoft.com/office/mac/drawingml/2011/main" val="1"/>
             </a:ext>
             <a:ext uri="{909E8E84-426E-40dd-AFC4-6F175D3DCCD1}">
-              <a14:hiddenFill xmlns="" xmlns:a14="http://schemas.microsoft.com/office/drawing/2010/main">
+              <a14:hiddenFill xmlns:a14="http://schemas.microsoft.com/office/drawing/2010/main" xmlns="">
                 <a:solidFill>
                   <a:srgbClr val="FFFFFF"/>
                 </a:solidFill>
               </a14:hiddenFill>
             </a:ext>
             <a:ext uri="{91240B29-F687-4f45-9708-019B960494DF}">
-              <a14:hiddenLine xmlns="" xmlns:a14="http://schemas.microsoft.com/office/drawing/2010/main" w="9525">
+              <a14:hiddenLine xmlns:a14="http://schemas.microsoft.com/office/drawing/2010/main" xmlns="" w="9525">
                 <a:solidFill>
                   <a:srgbClr val="000000"/>
                 </a:solidFill>
@@ -4960,7 +4960,37 @@
               <a:rPr lang="en-US" altLang="en-US" sz="3200" b="1" dirty="0" smtClean="0">
                 <a:ea typeface="ＭＳ Ｐゴシック" charset="-128"/>
               </a:rPr>
-              <a:t>BCO-DMO Metadata Evaluation and Improvement </a:t>
+              <a:t>IEDA</a:t>
+            </a:r>
+            <a:r>
+              <a:rPr lang="en-US" altLang="en-US" sz="3200" b="1" dirty="0" smtClean="0">
+                <a:ea typeface="ＭＳ Ｐゴシック" charset="-128"/>
+              </a:rPr>
+              <a:t> </a:t>
+            </a:r>
+            <a:r>
+              <a:rPr lang="en-US" altLang="en-US" sz="3200" b="1" dirty="0" smtClean="0">
+                <a:ea typeface="ＭＳ Ｐゴシック" charset="-128"/>
+              </a:rPr>
+              <a:t>Metadata Evaluation and </a:t>
+            </a:r>
+            <a:r>
+              <a:rPr lang="en-US" altLang="en-US" sz="3200" b="1" dirty="0" smtClean="0">
+                <a:ea typeface="ＭＳ Ｐゴシック" charset="-128"/>
+              </a:rPr>
+              <a:t>Improvement: </a:t>
+            </a:r>
+            <a:r>
+              <a:rPr lang="en-US" altLang="en-US" sz="3200" b="1" dirty="0" err="1" smtClean="0">
+                <a:ea typeface="ＭＳ Ｐゴシック" charset="-128"/>
+              </a:rPr>
+              <a:t>MetaDIG</a:t>
+            </a:r>
+            <a:r>
+              <a:rPr lang="en-US" altLang="en-US" sz="3200" b="1" dirty="0" smtClean="0">
+                <a:ea typeface="ＭＳ Ｐゴシック" charset="-128"/>
+              </a:rPr>
+              <a:t> </a:t>
             </a:r>
             <a:endParaRPr lang="en-US" altLang="en-US" sz="3200" dirty="0">
               <a:ea typeface="ＭＳ Ｐゴシック" charset="-128"/>
@@ -4990,28 +5020,16 @@
           <a:p>
             <a:pPr eaLnBrk="1" hangingPunct="1"/>
             <a:r>
-              <a:rPr lang="en-US" altLang="en-US" sz="2200" b="1" dirty="0">
+              <a:rPr lang="en-US" altLang="en-US" sz="2200" b="1" dirty="0" smtClean="0">
                 <a:ea typeface="ＭＳ Ｐゴシック" charset="-128"/>
               </a:rPr>
-              <a:t>John </a:t>
-            </a:r>
-            <a:r>
-              <a:rPr lang="en-US" altLang="en-US" sz="2200" b="1" dirty="0" err="1" smtClean="0">
+              <a:t>Sean </a:t>
+            </a:r>
+            <a:r>
+              <a:rPr lang="en-US" altLang="en-US" sz="2200" b="1" dirty="0" smtClean="0">
                 <a:ea typeface="ＭＳ Ｐゴシック" charset="-128"/>
               </a:rPr>
-              <a:t>Kozimor</a:t>
-            </a:r>
-            <a:endParaRPr lang="en-US" altLang="en-US" sz="2200" b="1" dirty="0" smtClean="0">
-              <a:ea typeface="ＭＳ Ｐゴシック" charset="-128"/>
-            </a:endParaRPr>
-          </a:p>
-          <a:p>
-            <a:pPr eaLnBrk="1" hangingPunct="1"/>
-            <a:r>
-              <a:rPr lang="en-US" altLang="en-US" sz="2200" b="1" dirty="0" smtClean="0">
-                <a:ea typeface="ＭＳ Ｐゴシック" charset="-128"/>
-              </a:rPr>
-              <a:t>Sean Gordon</a:t>
+              <a:t>Gordon</a:t>
             </a:r>
           </a:p>
           <a:p>
@@ -5046,14 +5064,14 @@
           <a:ln/>
           <a:extLst>
             <a:ext uri="{909E8E84-426E-40dd-AFC4-6F175D3DCCD1}">
-              <a14:hiddenFill xmlns="" xmlns:a14="http://schemas.microsoft.com/office/drawing/2010/main">
+              <a14:hiddenFill xmlns:a14="http://schemas.microsoft.com/office/drawing/2010/main" xmlns="">
                 <a:solidFill>
                   <a:srgbClr val="FFFFFF"/>
                 </a:solidFill>
               </a14:hiddenFill>
             </a:ext>
             <a:ext uri="{91240B29-F687-4f45-9708-019B960494DF}">
-              <a14:hiddenLine xmlns="" xmlns:a14="http://schemas.microsoft.com/office/drawing/2010/main" w="9525">
+              <a14:hiddenLine xmlns:a14="http://schemas.microsoft.com/office/drawing/2010/main" xmlns="" w="9525">
                 <a:solidFill>
                   <a:srgbClr val="000000"/>
                 </a:solidFill>
@@ -5370,11 +5388,6 @@
               </a:rPr>
               <a:t>Go over Recommendations Analysis Dashboard</a:t>
             </a:r>
-            <a:endParaRPr lang="en-US" sz="2000" dirty="0" smtClean="0">
-              <a:latin typeface="+mn-lt"/>
-              <a:ea typeface="ＭＳ Ｐゴシック" charset="0"/>
-              <a:cs typeface="ＭＳ Ｐゴシック" charset="0"/>
-            </a:endParaRPr>
           </a:p>
           <a:p>
             <a:pPr marL="342900" indent="-342900" eaLnBrk="1" hangingPunct="1">
@@ -5425,13 +5438,24 @@
                 <a:ea typeface="ＭＳ Ｐゴシック" charset="0"/>
                 <a:cs typeface="ＭＳ Ｐゴシック" charset="0"/>
               </a:rPr>
-              <a:t>Determine additional collections to analyze for next step; actionable guidance</a:t>
-            </a:r>
-            <a:endParaRPr lang="en-US" sz="2000" dirty="0" smtClean="0">
-              <a:latin typeface="+mn-lt"/>
-              <a:ea typeface="ＭＳ Ｐゴシック" charset="0"/>
-              <a:cs typeface="ＭＳ Ｐゴシック" charset="0"/>
-            </a:endParaRPr>
+              <a:t>Determine additional collections to analyze for next </a:t>
+            </a:r>
+            <a:r>
+              <a:rPr lang="en-US" sz="2000" dirty="0" smtClean="0">
+                <a:latin typeface="+mn-lt"/>
+                <a:ea typeface="ＭＳ Ｐゴシック" charset="0"/>
+                <a:cs typeface="ＭＳ Ｐゴシック" charset="0"/>
+              </a:rPr>
+              <a:t>step: actionable </a:t>
+            </a:r>
+            <a:r>
+              <a:rPr lang="en-US" sz="2000" dirty="0" smtClean="0">
+                <a:latin typeface="+mn-lt"/>
+                <a:ea typeface="ＭＳ Ｐゴシック" charset="0"/>
+                <a:cs typeface="ＭＳ Ｐゴシック" charset="0"/>
+              </a:rPr>
+              <a:t>guidance</a:t>
+            </a:r>
           </a:p>
           <a:p>
             <a:pPr eaLnBrk="1" hangingPunct="1">
@@ -6418,14 +6442,14 @@
           <a:ln/>
           <a:extLst>
             <a:ext uri="{909E8E84-426E-40dd-AFC4-6F175D3DCCD1}">
-              <a14:hiddenFill xmlns="" xmlns:a14="http://schemas.microsoft.com/office/drawing/2010/main">
+              <a14:hiddenFill xmlns:a14="http://schemas.microsoft.com/office/drawing/2010/main" xmlns="">
                 <a:solidFill>
                   <a:srgbClr val="FFFFFF"/>
                 </a:solidFill>
               </a14:hiddenFill>
             </a:ext>
             <a:ext uri="{91240B29-F687-4f45-9708-019B960494DF}">
-              <a14:hiddenLine xmlns="" xmlns:a14="http://schemas.microsoft.com/office/drawing/2010/main" w="9525">
+              <a14:hiddenLine xmlns:a14="http://schemas.microsoft.com/office/drawing/2010/main" xmlns="" w="9525">
                 <a:solidFill>
                   <a:srgbClr val="000000"/>
                 </a:solidFill>
@@ -6586,14 +6610,14 @@
           </a:ln>
           <a:extLst>
             <a:ext uri="{909E8E84-426E-40dd-AFC4-6F175D3DCCD1}">
-              <a14:hiddenFill xmlns="" xmlns:a14="http://schemas.microsoft.com/office/drawing/2010/main">
+              <a14:hiddenFill xmlns:a14="http://schemas.microsoft.com/office/drawing/2010/main" xmlns="">
                 <a:solidFill>
                   <a:srgbClr val="FFFFFF"/>
                 </a:solidFill>
               </a14:hiddenFill>
             </a:ext>
             <a:ext uri="{91240B29-F687-4f45-9708-019B960494DF}">
-              <a14:hiddenLine xmlns="" xmlns:a14="http://schemas.microsoft.com/office/drawing/2010/main" w="9525">
+              <a14:hiddenLine xmlns:a14="http://schemas.microsoft.com/office/drawing/2010/main" xmlns="" w="9525">
                 <a:solidFill>
                   <a:srgbClr val="000000"/>
                 </a:solidFill>
@@ -6751,14 +6775,14 @@
           </a:ln>
           <a:extLst>
             <a:ext uri="{909E8E84-426E-40dd-AFC4-6F175D3DCCD1}">
-              <a14:hiddenFill xmlns="" xmlns:a14="http://schemas.microsoft.com/office/drawing/2010/main">
+              <a14:hiddenFill xmlns:a14="http://schemas.microsoft.com/office/drawing/2010/main" xmlns="">
                 <a:solidFill>
                   <a:srgbClr val="FFFFFF"/>
                 </a:solidFill>
               </a14:hiddenFill>
             </a:ext>
             <a:ext uri="{91240B29-F687-4f45-9708-019B960494DF}">
-              <a14:hiddenLine xmlns="" xmlns:a14="http://schemas.microsoft.com/office/drawing/2010/main" w="9525">
+              <a14:hiddenLine xmlns:a14="http://schemas.microsoft.com/office/drawing/2010/main" xmlns="" w="9525">
                 <a:solidFill>
                   <a:srgbClr val="000000"/>
                 </a:solidFill>
@@ -6916,14 +6940,14 @@
           </a:ln>
           <a:extLst>
             <a:ext uri="{909E8E84-426E-40dd-AFC4-6F175D3DCCD1}">
-              <a14:hiddenFill xmlns="" xmlns:a14="http://schemas.microsoft.com/office/drawing/2010/main">
+              <a14:hiddenFill xmlns:a14="http://schemas.microsoft.com/office/drawing/2010/main" xmlns="">
                 <a:solidFill>
                   <a:srgbClr val="FFFFFF"/>
                 </a:solidFill>
               </a14:hiddenFill>
             </a:ext>
             <a:ext uri="{91240B29-F687-4f45-9708-019B960494DF}">
-              <a14:hiddenLine xmlns="" xmlns:a14="http://schemas.microsoft.com/office/drawing/2010/main" w="9525">
+              <a14:hiddenLine xmlns:a14="http://schemas.microsoft.com/office/drawing/2010/main" xmlns="" w="9525">
                 <a:solidFill>
                   <a:srgbClr val="000000"/>
                 </a:solidFill>
@@ -7081,14 +7105,14 @@
           </a:ln>
           <a:extLst>
             <a:ext uri="{909E8E84-426E-40dd-AFC4-6F175D3DCCD1}">
-              <a14:hiddenFill xmlns="" xmlns:a14="http://schemas.microsoft.com/office/drawing/2010/main">
+              <a14:hiddenFill xmlns:a14="http://schemas.microsoft.com/office/drawing/2010/main" xmlns="">
                 <a:solidFill>
                   <a:srgbClr val="FFFFFF"/>
                 </a:solidFill>
               </a14:hiddenFill>
             </a:ext>
             <a:ext uri="{91240B29-F687-4f45-9708-019B960494DF}">
-              <a14:hiddenLine xmlns="" xmlns:a14="http://schemas.microsoft.com/office/drawing/2010/main" w="9525">
+              <a14:hiddenLine xmlns:a14="http://schemas.microsoft.com/office/drawing/2010/main" xmlns="" w="9525">
                 <a:solidFill>
                   <a:srgbClr val="000000"/>
                 </a:solidFill>
@@ -7224,36 +7248,6 @@
           </a:p>
         </p:txBody>
       </p:sp>
-      <p:pic>
-        <p:nvPicPr>
-          <p:cNvPr id="2" name="Picture 1"/>
-          <p:cNvPicPr>
-            <a:picLocks noChangeAspect="1"/>
-          </p:cNvPicPr>
-          <p:nvPr/>
-        </p:nvPicPr>
-        <p:blipFill>
-          <a:blip r:embed="rId3">
-            <a:extLst>
-              <a:ext uri="{28A0092B-C50C-407E-A947-70E740481C1C}">
-                <a14:useLocalDpi xmlns:a14="http://schemas.microsoft.com/office/drawing/2010/main" val="0"/>
-              </a:ext>
-            </a:extLst>
-          </a:blip>
-          <a:stretch>
-            <a:fillRect/>
-          </a:stretch>
-        </p:blipFill>
-        <p:spPr>
-          <a:xfrm>
-            <a:off x="317500" y="2813056"/>
-            <a:ext cx="8515350" cy="3943344"/>
-          </a:xfrm>
-          <a:prstGeom prst="rect">
-            <a:avLst/>
-          </a:prstGeom>
-        </p:spPr>
-      </p:pic>
       <p:sp>
         <p:nvSpPr>
           <p:cNvPr id="3" name="TextBox 2"/>
@@ -7262,8 +7256,8 @@
         </p:nvSpPr>
         <p:spPr>
           <a:xfrm>
-            <a:off x="628650" y="977900"/>
-            <a:ext cx="8185150" cy="1754327"/>
+            <a:off x="745958" y="1804599"/>
+            <a:ext cx="8185150" cy="3477875"/>
           </a:xfrm>
           <a:prstGeom prst="rect">
             <a:avLst/>
@@ -7281,16 +7275,28 @@
               <a:buChar char="•"/>
             </a:pPr>
             <a:r>
-              <a:rPr lang="en-US" sz="1200" dirty="0"/>
+              <a:rPr lang="en-US" sz="2000" dirty="0">
+                <a:latin typeface="Calibri" charset="0"/>
+                <a:ea typeface="Calibri" charset="0"/>
+                <a:cs typeface="Calibri" charset="0"/>
+              </a:rPr>
               <a:t>E</a:t>
             </a:r>
             <a:r>
-              <a:rPr lang="en-US" sz="1200" dirty="0" smtClean="0"/>
+              <a:rPr lang="en-US" sz="2000" dirty="0" smtClean="0">
+                <a:latin typeface="Calibri" charset="0"/>
+                <a:ea typeface="Calibri" charset="0"/>
+                <a:cs typeface="Calibri" charset="0"/>
+              </a:rPr>
               <a:t>xploratory metadata evaluation tool.</a:t>
             </a:r>
           </a:p>
           <a:p>
-            <a:endParaRPr lang="en-US" sz="1200" dirty="0" smtClean="0"/>
+            <a:endParaRPr lang="en-US" sz="2000" dirty="0" smtClean="0">
+              <a:latin typeface="Calibri" charset="0"/>
+              <a:ea typeface="Calibri" charset="0"/>
+              <a:cs typeface="Calibri" charset="0"/>
+            </a:endParaRPr>
           </a:p>
           <a:p>
             <a:pPr marL="171450" indent="-171450">
@@ -7298,36 +7304,84 @@
               <a:buChar char="•"/>
             </a:pPr>
             <a:r>
-              <a:rPr lang="en-US" sz="1200" dirty="0"/>
+              <a:rPr lang="en-US" sz="2000" dirty="0">
+                <a:latin typeface="Calibri" charset="0"/>
+                <a:ea typeface="Calibri" charset="0"/>
+                <a:cs typeface="Calibri" charset="0"/>
+              </a:rPr>
               <a:t>Enables metadata </a:t>
             </a:r>
             <a:r>
-              <a:rPr lang="en-US" sz="1200" dirty="0" smtClean="0"/>
+              <a:rPr lang="en-US" sz="2000" dirty="0" smtClean="0">
+                <a:latin typeface="Calibri" charset="0"/>
+                <a:ea typeface="Calibri" charset="0"/>
+                <a:cs typeface="Calibri" charset="0"/>
+              </a:rPr>
               <a:t>for a single dialect to be easily </a:t>
             </a:r>
             <a:r>
-              <a:rPr lang="en-US" sz="1200" dirty="0"/>
-              <a:t>evaluated using multiple recommendation (</a:t>
-            </a:r>
-            <a:r>
-              <a:rPr lang="en-US" sz="1200" dirty="0" err="1"/>
+              <a:rPr lang="en-US" sz="2000" dirty="0">
+                <a:latin typeface="Calibri" charset="0"/>
+                <a:ea typeface="Calibri" charset="0"/>
+                <a:cs typeface="Calibri" charset="0"/>
+              </a:rPr>
+              <a:t>evaluated using multiple </a:t>
+            </a:r>
+            <a:r>
+              <a:rPr lang="en-US" sz="2000" dirty="0" smtClean="0">
+                <a:latin typeface="Calibri" charset="0"/>
+                <a:ea typeface="Calibri" charset="0"/>
+                <a:cs typeface="Calibri" charset="0"/>
+              </a:rPr>
+              <a:t>recommendations </a:t>
+            </a:r>
+            <a:r>
+              <a:rPr lang="en-US" sz="2000" dirty="0">
+                <a:latin typeface="Calibri" charset="0"/>
+                <a:ea typeface="Calibri" charset="0"/>
+                <a:cs typeface="Calibri" charset="0"/>
+              </a:rPr>
+              <a:t>(</a:t>
+            </a:r>
+            <a:r>
+              <a:rPr lang="en-US" sz="2000" dirty="0" err="1">
+                <a:latin typeface="Calibri" charset="0"/>
+                <a:ea typeface="Calibri" charset="0"/>
+                <a:cs typeface="Calibri" charset="0"/>
+              </a:rPr>
               <a:t>eg</a:t>
             </a:r>
             <a:r>
-              <a:rPr lang="en-US" sz="1200" dirty="0"/>
+              <a:rPr lang="en-US" sz="2000" dirty="0">
+                <a:latin typeface="Calibri" charset="0"/>
+                <a:ea typeface="Calibri" charset="0"/>
+                <a:cs typeface="Calibri" charset="0"/>
+              </a:rPr>
               <a:t>. CSW, </a:t>
             </a:r>
             <a:r>
-              <a:rPr lang="en-US" sz="1200" dirty="0" err="1"/>
+              <a:rPr lang="en-US" sz="2000" dirty="0" err="1">
+                <a:latin typeface="Calibri" charset="0"/>
+                <a:ea typeface="Calibri" charset="0"/>
+                <a:cs typeface="Calibri" charset="0"/>
+              </a:rPr>
               <a:t>DataCite</a:t>
             </a:r>
             <a:r>
-              <a:rPr lang="en-US" sz="1200" dirty="0" smtClean="0"/>
+              <a:rPr lang="en-US" sz="2000" dirty="0" smtClean="0">
+                <a:latin typeface="Calibri" charset="0"/>
+                <a:ea typeface="Calibri" charset="0"/>
+                <a:cs typeface="Calibri" charset="0"/>
+              </a:rPr>
               <a:t>).</a:t>
             </a:r>
           </a:p>
           <a:p>
-            <a:endParaRPr lang="en-US" sz="1200" dirty="0" smtClean="0"/>
+            <a:endParaRPr lang="en-US" sz="2000" dirty="0" smtClean="0">
+              <a:latin typeface="Calibri" charset="0"/>
+              <a:ea typeface="Calibri" charset="0"/>
+              <a:cs typeface="Calibri" charset="0"/>
+            </a:endParaRPr>
           </a:p>
           <a:p>
             <a:pPr marL="171450" indent="-171450">
@@ -7335,12 +7389,20 @@
               <a:buChar char="•"/>
             </a:pPr>
             <a:r>
-              <a:rPr lang="en-US" sz="1200" dirty="0" smtClean="0"/>
+              <a:rPr lang="en-US" sz="2000" dirty="0" smtClean="0">
+                <a:latin typeface="Calibri" charset="0"/>
+                <a:ea typeface="Calibri" charset="0"/>
+                <a:cs typeface="Calibri" charset="0"/>
+              </a:rPr>
               <a:t>Designed to run on subset of metadata records (processing limitations).</a:t>
             </a:r>
           </a:p>
           <a:p>
-            <a:endParaRPr lang="en-US" sz="1200" dirty="0" smtClean="0"/>
+            <a:endParaRPr lang="en-US" sz="2000" dirty="0" smtClean="0">
+              <a:latin typeface="Calibri" charset="0"/>
+              <a:ea typeface="Calibri" charset="0"/>
+              <a:cs typeface="Calibri" charset="0"/>
+            </a:endParaRPr>
           </a:p>
           <a:p>
             <a:pPr marL="171450" indent="-171450">
@@ -7348,26 +7410,74 @@
               <a:buChar char="•"/>
             </a:pPr>
             <a:r>
-              <a:rPr lang="en-US" sz="1200" dirty="0" smtClean="0"/>
-              <a:t>Provides a nice dashboard interface with 4 different displays.</a:t>
-            </a:r>
-          </a:p>
-          <a:p>
-            <a:pPr marL="171450" indent="-171450">
-              <a:buFont typeface="Arial"/>
-              <a:buChar char="•"/>
-            </a:pPr>
-            <a:endParaRPr lang="en-US" sz="1200" dirty="0"/>
-          </a:p>
-          <a:p>
-            <a:pPr marL="171450" indent="-171450">
-              <a:buFont typeface="Arial"/>
-              <a:buChar char="•"/>
-            </a:pPr>
-            <a:r>
-              <a:rPr lang="en-US" sz="1200" dirty="0" smtClean="0"/>
-              <a:t>Requires a data sheet, which at this time can only be created by HDF metadata team. </a:t>
-            </a:r>
+              <a:rPr lang="en-US" sz="2000" dirty="0" smtClean="0">
+                <a:latin typeface="Calibri" charset="0"/>
+                <a:ea typeface="Calibri" charset="0"/>
+                <a:cs typeface="Calibri" charset="0"/>
+              </a:rPr>
+              <a:t>Provides</a:t>
+            </a:r>
+            <a:r>
+              <a:rPr lang="en-US" sz="2000" dirty="0" smtClean="0">
+                <a:latin typeface="Calibri" charset="0"/>
+                <a:ea typeface="Calibri" charset="0"/>
+                <a:cs typeface="Calibri" charset="0"/>
+              </a:rPr>
+              <a:t> a</a:t>
+            </a:r>
+            <a:r>
+              <a:rPr lang="en-US" sz="2000" dirty="0" smtClean="0">
+                <a:latin typeface="Calibri" charset="0"/>
+                <a:ea typeface="Calibri" charset="0"/>
+                <a:cs typeface="Calibri" charset="0"/>
+              </a:rPr>
+              <a:t> </a:t>
+            </a:r>
+            <a:r>
+              <a:rPr lang="en-US" sz="2000" dirty="0" smtClean="0">
+                <a:latin typeface="Calibri" charset="0"/>
+                <a:ea typeface="Calibri" charset="0"/>
+                <a:cs typeface="Calibri" charset="0"/>
+              </a:rPr>
+              <a:t>dashboard interface with </a:t>
+            </a:r>
+            <a:r>
+              <a:rPr lang="en-US" sz="2000" dirty="0" smtClean="0">
+                <a:latin typeface="Calibri" charset="0"/>
+                <a:ea typeface="Calibri" charset="0"/>
+                <a:cs typeface="Calibri" charset="0"/>
+              </a:rPr>
+              <a:t>visualizations</a:t>
+            </a:r>
+            <a:r>
+              <a:rPr lang="en-US" sz="2000" dirty="0" smtClean="0">
+                <a:latin typeface="Calibri" charset="0"/>
+                <a:ea typeface="Calibri" charset="0"/>
+                <a:cs typeface="Calibri" charset="0"/>
+              </a:rPr>
+              <a:t> comparing the dialect and recommendations, as well as the collection and recommendations, linking to the </a:t>
+            </a:r>
+            <a:r>
+              <a:rPr lang="en-US" sz="2000" dirty="0" err="1" smtClean="0">
+                <a:latin typeface="Calibri" charset="0"/>
+                <a:ea typeface="Calibri" charset="0"/>
+                <a:cs typeface="Calibri" charset="0"/>
+              </a:rPr>
+              <a:t>xpaths</a:t>
+            </a:r>
+            <a:r>
+              <a:rPr lang="en-US" sz="2000" dirty="0" smtClean="0">
+                <a:latin typeface="Calibri" charset="0"/>
+                <a:ea typeface="Calibri" charset="0"/>
+                <a:cs typeface="Calibri" charset="0"/>
+              </a:rPr>
+              <a:t> that were used in assessing the contents of the collection</a:t>
+            </a:r>
+            <a:endParaRPr lang="en-US" sz="2000" dirty="0" smtClean="0">
+              <a:latin typeface="Calibri" charset="0"/>
+              <a:ea typeface="Calibri" charset="0"/>
+              <a:cs typeface="Calibri" charset="0"/>
+            </a:endParaRPr>
           </a:p>
         </p:txBody>
       </p:sp>
@@ -7452,8 +7562,8 @@
         </p:nvSpPr>
         <p:spPr>
           <a:xfrm>
-            <a:off x="546100" y="1270000"/>
-            <a:ext cx="7937500" cy="4247317"/>
+            <a:off x="609600" y="2514600"/>
+            <a:ext cx="7937500" cy="3170099"/>
           </a:xfrm>
           <a:prstGeom prst="rect">
             <a:avLst/>
@@ -7470,120 +7580,114 @@
               <a:buAutoNum type="arabicPeriod"/>
             </a:pPr>
             <a:r>
-              <a:rPr lang="en-US" dirty="0" smtClean="0"/>
+              <a:rPr lang="en-US" sz="2000" dirty="0" smtClean="0">
+                <a:latin typeface="Calibri" charset="0"/>
+                <a:ea typeface="Calibri" charset="0"/>
+                <a:cs typeface="Calibri" charset="0"/>
+              </a:rPr>
               <a:t>What recommendations are most important to your organization?</a:t>
             </a:r>
           </a:p>
           <a:p>
             <a:pPr lvl="1"/>
-            <a:r>
-              <a:rPr lang="en-US" dirty="0" smtClean="0"/>
-              <a:t>a) </a:t>
-            </a:r>
-            <a:r>
-              <a:rPr lang="en-US" dirty="0" err="1" smtClean="0"/>
-              <a:t>DataCite</a:t>
-            </a:r>
-            <a:r>
-              <a:rPr lang="en-US" dirty="0" smtClean="0"/>
-              <a:t>, b) DCAT, c) DIF, d) CSW,  e) LTER</a:t>
-            </a:r>
-          </a:p>
-          <a:p>
-            <a:pPr lvl="1"/>
-            <a:endParaRPr lang="en-US" dirty="0" smtClean="0"/>
+            <a:endParaRPr lang="en-US" sz="2000" dirty="0" smtClean="0">
+              <a:latin typeface="Calibri" charset="0"/>
+              <a:ea typeface="Calibri" charset="0"/>
+              <a:cs typeface="Calibri" charset="0"/>
+            </a:endParaRPr>
           </a:p>
           <a:p>
             <a:pPr marL="342900" indent="-342900">
               <a:buAutoNum type="arabicPeriod"/>
             </a:pPr>
             <a:r>
-              <a:rPr lang="en-US" dirty="0" smtClean="0"/>
-              <a:t>What recommendation profiles are most important to your organization?</a:t>
-            </a:r>
-          </a:p>
-          <a:p>
-            <a:pPr marL="742950" lvl="1" indent="-285750">
-              <a:buFontTx/>
-              <a:buChar char="-"/>
-            </a:pPr>
-            <a:r>
-              <a:rPr lang="en-US" dirty="0" smtClean="0"/>
-              <a:t>Not </a:t>
-            </a:r>
-            <a:r>
-              <a:rPr lang="en-US" dirty="0" smtClean="0"/>
-              <a:t>all recommendations are </a:t>
-            </a:r>
-            <a:r>
-              <a:rPr lang="en-US" dirty="0" smtClean="0"/>
-              <a:t>required</a:t>
-            </a:r>
-          </a:p>
-          <a:p>
-            <a:pPr marL="742950" lvl="1" indent="-285750">
-              <a:buFontTx/>
-              <a:buChar char="-"/>
-            </a:pPr>
-            <a:endParaRPr lang="en-US" dirty="0"/>
-          </a:p>
-          <a:p>
-            <a:pPr marL="742950" lvl="1" indent="-285750">
-              <a:buFontTx/>
-              <a:buChar char="-"/>
-            </a:pPr>
-            <a:endParaRPr lang="en-US" dirty="0" smtClean="0"/>
-          </a:p>
-          <a:p>
-            <a:pPr marL="742950" lvl="1" indent="-285750">
-              <a:buFontTx/>
-              <a:buChar char="-"/>
-            </a:pPr>
-            <a:endParaRPr lang="en-US" dirty="0"/>
-          </a:p>
-          <a:p>
-            <a:pPr marL="742950" lvl="1" indent="-285750">
-              <a:buFontTx/>
-              <a:buChar char="-"/>
-            </a:pPr>
-            <a:endParaRPr lang="en-US" dirty="0" smtClean="0"/>
-          </a:p>
-          <a:p>
-            <a:endParaRPr lang="en-US" dirty="0" smtClean="0"/>
-          </a:p>
-          <a:p>
-            <a:r>
-              <a:rPr lang="en-US" dirty="0">
+              <a:rPr lang="en-US" sz="2000" dirty="0" smtClean="0">
+                <a:latin typeface="Calibri" charset="0"/>
+                <a:ea typeface="Calibri" charset="0"/>
+                <a:cs typeface="Calibri" charset="0"/>
+              </a:rPr>
+              <a:t>What recommendation profiles are most important to your organization</a:t>
+            </a:r>
+            <a:r>
+              <a:rPr lang="en-US" sz="2000" dirty="0" smtClean="0">
+                <a:latin typeface="Calibri" charset="0"/>
+                <a:ea typeface="Calibri" charset="0"/>
+                <a:cs typeface="Calibri" charset="0"/>
+              </a:rPr>
+              <a:t>?</a:t>
+            </a:r>
+            <a:endParaRPr lang="en-US" sz="2000" dirty="0" smtClean="0">
+              <a:latin typeface="Calibri" charset="0"/>
+              <a:ea typeface="Calibri" charset="0"/>
+              <a:cs typeface="Calibri" charset="0"/>
+            </a:endParaRPr>
+          </a:p>
+          <a:p>
+            <a:endParaRPr lang="en-US" sz="2000" dirty="0" smtClean="0">
+              <a:latin typeface="Calibri" charset="0"/>
+              <a:ea typeface="Calibri" charset="0"/>
+              <a:cs typeface="Calibri" charset="0"/>
+            </a:endParaRPr>
+          </a:p>
+          <a:p>
+            <a:r>
+              <a:rPr lang="en-US" sz="2000" dirty="0">
+                <a:latin typeface="Calibri" charset="0"/>
+                <a:ea typeface="Calibri" charset="0"/>
+                <a:cs typeface="Calibri" charset="0"/>
                 <a:hlinkClick r:id="rId3"/>
               </a:rPr>
               <a:t>http://wiki.esipfed.org/index.php/</a:t>
             </a:r>
             <a:r>
-              <a:rPr lang="en-US" dirty="0" smtClean="0">
+              <a:rPr lang="en-US" sz="2000" dirty="0" smtClean="0">
+                <a:latin typeface="Calibri" charset="0"/>
+                <a:ea typeface="Calibri" charset="0"/>
+                <a:cs typeface="Calibri" charset="0"/>
                 <a:hlinkClick r:id="rId3"/>
               </a:rPr>
               <a:t>Documentation_Recommendations</a:t>
             </a:r>
-            <a:endParaRPr lang="en-US" dirty="0" smtClean="0"/>
-          </a:p>
-          <a:p>
-            <a:endParaRPr lang="en-US" dirty="0"/>
+            <a:endParaRPr lang="en-US" sz="2000" dirty="0" smtClean="0">
+              <a:latin typeface="Calibri" charset="0"/>
+              <a:ea typeface="Calibri" charset="0"/>
+              <a:cs typeface="Calibri" charset="0"/>
+            </a:endParaRPr>
+          </a:p>
+          <a:p>
+            <a:endParaRPr lang="en-US" sz="2000" dirty="0">
+              <a:latin typeface="Calibri" charset="0"/>
+              <a:ea typeface="Calibri" charset="0"/>
+              <a:cs typeface="Calibri" charset="0"/>
+            </a:endParaRPr>
           </a:p>
           <a:p>
             <a:pPr marL="342900" indent="-342900">
               <a:buAutoNum type="arabicPeriod"/>
             </a:pPr>
-            <a:endParaRPr lang="en-US" dirty="0" smtClean="0"/>
-          </a:p>
-          <a:p>
-            <a:r>
-              <a:rPr lang="en-US" dirty="0" smtClean="0"/>
+            <a:endParaRPr lang="en-US" sz="2000" dirty="0" smtClean="0">
+              <a:latin typeface="Calibri" charset="0"/>
+              <a:ea typeface="Calibri" charset="0"/>
+              <a:cs typeface="Calibri" charset="0"/>
+            </a:endParaRPr>
+          </a:p>
+          <a:p>
+            <a:r>
+              <a:rPr lang="en-US" sz="2000" dirty="0" smtClean="0">
+                <a:latin typeface="Calibri" charset="0"/>
+                <a:ea typeface="Calibri" charset="0"/>
+                <a:cs typeface="Calibri" charset="0"/>
+              </a:rPr>
               <a:t>      </a:t>
             </a:r>
           </a:p>
           <a:p>
             <a:pPr lvl="1"/>
-            <a:endParaRPr lang="en-US" dirty="0"/>
+            <a:endParaRPr lang="en-US" sz="2000" dirty="0">
+              <a:latin typeface="Calibri" charset="0"/>
+              <a:ea typeface="Calibri" charset="0"/>
+              <a:cs typeface="Calibri" charset="0"/>
+            </a:endParaRPr>
           </a:p>
         </p:txBody>
       </p:sp>
@@ -7668,8 +7772,8 @@
         </p:nvSpPr>
         <p:spPr>
           <a:xfrm>
-            <a:off x="990600" y="2514600"/>
-            <a:ext cx="8521700" cy="2862322"/>
+            <a:off x="1752600" y="2362200"/>
+            <a:ext cx="8521700" cy="3170099"/>
           </a:xfrm>
           <a:prstGeom prst="rect">
             <a:avLst/>
@@ -7683,47 +7787,74 @@
           <a:lstStyle/>
           <a:p>
             <a:r>
-              <a:rPr lang="en-US" dirty="0" smtClean="0"/>
-              <a:t>Use the RAD to decide what</a:t>
-            </a:r>
-            <a:r>
-              <a:rPr lang="en-US" dirty="0" smtClean="0"/>
-              <a:t> recommendation profiles </a:t>
-            </a:r>
-          </a:p>
-          <a:p>
-            <a:r>
-              <a:rPr lang="en-US" dirty="0" smtClean="0"/>
+              <a:rPr lang="en-US" sz="2000" dirty="0" smtClean="0">
+                <a:latin typeface="Calibri" charset="0"/>
+                <a:ea typeface="Calibri" charset="0"/>
+                <a:cs typeface="Calibri" charset="0"/>
+              </a:rPr>
+              <a:t>Use the RAD to decide what recommendation profiles </a:t>
+            </a:r>
+          </a:p>
+          <a:p>
+            <a:r>
+              <a:rPr lang="en-US" sz="2000" dirty="0" smtClean="0">
+                <a:latin typeface="Calibri" charset="0"/>
+                <a:ea typeface="Calibri" charset="0"/>
+                <a:cs typeface="Calibri" charset="0"/>
+              </a:rPr>
               <a:t>(</a:t>
             </a:r>
             <a:r>
-              <a:rPr lang="en-US" dirty="0" err="1" smtClean="0"/>
+              <a:rPr lang="en-US" sz="2000" dirty="0" err="1" smtClean="0">
+                <a:latin typeface="Calibri" charset="0"/>
+                <a:ea typeface="Calibri" charset="0"/>
+                <a:cs typeface="Calibri" charset="0"/>
+              </a:rPr>
               <a:t>DataCite</a:t>
             </a:r>
             <a:r>
-              <a:rPr lang="en-US" dirty="0" smtClean="0"/>
+              <a:rPr lang="en-US" sz="2000" dirty="0" smtClean="0">
+                <a:latin typeface="Calibri" charset="0"/>
+                <a:ea typeface="Calibri" charset="0"/>
+                <a:cs typeface="Calibri" charset="0"/>
+              </a:rPr>
               <a:t> 4.0 Optional, </a:t>
             </a:r>
             <a:r>
-              <a:rPr lang="en-US" dirty="0" err="1" smtClean="0"/>
+              <a:rPr lang="en-US" sz="2000" dirty="0" err="1" smtClean="0">
+                <a:latin typeface="Calibri" charset="0"/>
+                <a:ea typeface="Calibri" charset="0"/>
+                <a:cs typeface="Calibri" charset="0"/>
+              </a:rPr>
               <a:t>LTER_Discovery</a:t>
             </a:r>
             <a:r>
-              <a:rPr lang="en-US" dirty="0" smtClean="0"/>
+              <a:rPr lang="en-US" sz="2000" dirty="0" smtClean="0">
+                <a:latin typeface="Calibri" charset="0"/>
+                <a:ea typeface="Calibri" charset="0"/>
+                <a:cs typeface="Calibri" charset="0"/>
+              </a:rPr>
               <a:t>, ISO-1 Mandatory)?</a:t>
             </a:r>
-            <a:endParaRPr lang="en-US" dirty="0" smtClean="0"/>
           </a:p>
           <a:p>
             <a:pPr marL="285750" indent="-285750">
               <a:buFont typeface="Arial"/>
               <a:buChar char="•"/>
             </a:pPr>
-            <a:endParaRPr lang="en-US" dirty="0"/>
-          </a:p>
-          <a:p>
-            <a:r>
-              <a:rPr lang="en-US" dirty="0" smtClean="0"/>
+            <a:endParaRPr lang="en-US" sz="2000" dirty="0">
+              <a:latin typeface="Calibri" charset="0"/>
+              <a:ea typeface="Calibri" charset="0"/>
+              <a:cs typeface="Calibri" charset="0"/>
+            </a:endParaRPr>
+          </a:p>
+          <a:p>
+            <a:r>
+              <a:rPr lang="en-US" sz="2000" dirty="0" smtClean="0">
+                <a:latin typeface="Calibri" charset="0"/>
+                <a:ea typeface="Calibri" charset="0"/>
+                <a:cs typeface="Calibri" charset="0"/>
+              </a:rPr>
               <a:t>Decide what collections are to be analyzed. </a:t>
             </a:r>
           </a:p>
@@ -7733,7 +7864,11 @@
               <a:buChar char="•"/>
             </a:pPr>
             <a:r>
-              <a:rPr lang="en-US" dirty="0" smtClean="0"/>
+              <a:rPr lang="en-US" sz="2000" dirty="0" smtClean="0">
+                <a:latin typeface="Calibri" charset="0"/>
+                <a:ea typeface="Calibri" charset="0"/>
+                <a:cs typeface="Calibri" charset="0"/>
+              </a:rPr>
               <a:t>multiple dialects and collections okay</a:t>
             </a:r>
           </a:p>
@@ -7743,35 +7878,67 @@
               <a:buChar char="•"/>
             </a:pPr>
             <a:r>
-              <a:rPr lang="en-US" dirty="0" smtClean="0"/>
-              <a:t>Complete collections are best</a:t>
-            </a:r>
-            <a:endParaRPr lang="en-US" dirty="0" smtClean="0"/>
+              <a:rPr lang="en-US" sz="2000" dirty="0" smtClean="0">
+                <a:latin typeface="Calibri" charset="0"/>
+                <a:ea typeface="Calibri" charset="0"/>
+                <a:cs typeface="Calibri" charset="0"/>
+              </a:rPr>
+              <a:t>Complete collections </a:t>
+            </a:r>
+            <a:r>
+              <a:rPr lang="en-US" sz="2000" dirty="0" smtClean="0">
+                <a:latin typeface="Calibri" charset="0"/>
+                <a:ea typeface="Calibri" charset="0"/>
+                <a:cs typeface="Calibri" charset="0"/>
+              </a:rPr>
+              <a:t>provide accurate results</a:t>
+            </a:r>
+            <a:endParaRPr lang="en-US" sz="2000" dirty="0" smtClean="0">
+              <a:latin typeface="Calibri" charset="0"/>
+              <a:ea typeface="Calibri" charset="0"/>
+              <a:cs typeface="Calibri" charset="0"/>
+            </a:endParaRPr>
           </a:p>
           <a:p>
             <a:pPr marL="742950" lvl="1" indent="-285750">
               <a:buFont typeface="Arial"/>
               <a:buChar char="•"/>
             </a:pPr>
-            <a:endParaRPr lang="en-US" dirty="0" smtClean="0"/>
+            <a:endParaRPr lang="en-US" sz="2000" dirty="0" smtClean="0">
+              <a:latin typeface="Calibri" charset="0"/>
+              <a:ea typeface="Calibri" charset="0"/>
+              <a:cs typeface="Calibri" charset="0"/>
+            </a:endParaRPr>
           </a:p>
           <a:p>
             <a:pPr marL="742950" lvl="1" indent="-285750">
               <a:buFont typeface="Arial"/>
               <a:buChar char="•"/>
             </a:pPr>
-            <a:endParaRPr lang="en-US" dirty="0" smtClean="0"/>
+            <a:endParaRPr lang="en-US" sz="2000" dirty="0" smtClean="0">
+              <a:latin typeface="Calibri" charset="0"/>
+              <a:ea typeface="Calibri" charset="0"/>
+              <a:cs typeface="Calibri" charset="0"/>
+            </a:endParaRPr>
           </a:p>
           <a:p>
             <a:pPr marL="285750" indent="-285750">
               <a:buFont typeface="Arial"/>
               <a:buChar char="•"/>
             </a:pPr>
-            <a:endParaRPr lang="en-US" dirty="0"/>
+            <a:endParaRPr lang="en-US" sz="2000" dirty="0">
+              <a:latin typeface="Calibri" charset="0"/>
+              <a:ea typeface="Calibri" charset="0"/>
+              <a:cs typeface="Calibri" charset="0"/>
+            </a:endParaRPr>
           </a:p>
           <a:p>
             <a:pPr lvl="1"/>
-            <a:endParaRPr lang="en-US" dirty="0"/>
+            <a:endParaRPr lang="en-US" sz="2000" dirty="0">
+              <a:latin typeface="Calibri" charset="0"/>
+              <a:ea typeface="Calibri" charset="0"/>
+              <a:cs typeface="Calibri" charset="0"/>
+            </a:endParaRPr>
           </a:p>
         </p:txBody>
       </p:sp>
@@ -7857,14 +8024,14 @@
           <a:ln/>
           <a:extLst>
             <a:ext uri="{909E8E84-426E-40dd-AFC4-6F175D3DCCD1}">
-              <a14:hiddenFill xmlns="" xmlns:a14="http://schemas.microsoft.com/office/drawing/2010/main">
+              <a14:hiddenFill xmlns:a14="http://schemas.microsoft.com/office/drawing/2010/main" xmlns="">
                 <a:solidFill>
                   <a:srgbClr val="FFFFFF"/>
                 </a:solidFill>
               </a14:hiddenFill>
             </a:ext>
             <a:ext uri="{91240B29-F687-4f45-9708-019B960494DF}">
-              <a14:hiddenLine xmlns="" xmlns:a14="http://schemas.microsoft.com/office/drawing/2010/main" w="9525">
+              <a14:hiddenLine xmlns:a14="http://schemas.microsoft.com/office/drawing/2010/main" xmlns="" w="9525">
                 <a:solidFill>
                   <a:srgbClr val="000000"/>
                 </a:solidFill>
@@ -8091,14 +8258,14 @@
           </a:ln>
           <a:extLst>
             <a:ext uri="{909E8E84-426E-40dd-AFC4-6F175D3DCCD1}">
-              <a14:hiddenFill xmlns="" xmlns:a14="http://schemas.microsoft.com/office/drawing/2010/main">
+              <a14:hiddenFill xmlns:a14="http://schemas.microsoft.com/office/drawing/2010/main" xmlns="">
                 <a:solidFill>
                   <a:srgbClr val="FFFFFF"/>
                 </a:solidFill>
               </a14:hiddenFill>
             </a:ext>
             <a:ext uri="{91240B29-F687-4f45-9708-019B960494DF}">
-              <a14:hiddenLine xmlns="" xmlns:a14="http://schemas.microsoft.com/office/drawing/2010/main" w="9525">
+              <a14:hiddenLine xmlns:a14="http://schemas.microsoft.com/office/drawing/2010/main" xmlns="" w="9525">
                 <a:solidFill>
                   <a:srgbClr val="000000"/>
                 </a:solidFill>
@@ -8339,14 +8506,14 @@
           </a:ln>
           <a:extLst>
             <a:ext uri="{909E8E84-426E-40dd-AFC4-6F175D3DCCD1}">
-              <a14:hiddenFill xmlns="" xmlns:a14="http://schemas.microsoft.com/office/drawing/2010/main">
+              <a14:hiddenFill xmlns:a14="http://schemas.microsoft.com/office/drawing/2010/main" xmlns="">
                 <a:solidFill>
                   <a:srgbClr val="FFFFFF"/>
                 </a:solidFill>
               </a14:hiddenFill>
             </a:ext>
             <a:ext uri="{91240B29-F687-4f45-9708-019B960494DF}">
-              <a14:hiddenLine xmlns="" xmlns:a14="http://schemas.microsoft.com/office/drawing/2010/main" w="9525">
+              <a14:hiddenLine xmlns:a14="http://schemas.microsoft.com/office/drawing/2010/main" xmlns="" w="9525">
                 <a:solidFill>
                   <a:srgbClr val="000000"/>
                 </a:solidFill>
@@ -8563,14 +8730,14 @@
           </a:ln>
           <a:extLst>
             <a:ext uri="{909E8E84-426E-40dd-AFC4-6F175D3DCCD1}">
-              <a14:hiddenFill xmlns="" xmlns:a14="http://schemas.microsoft.com/office/drawing/2010/main">
+              <a14:hiddenFill xmlns:a14="http://schemas.microsoft.com/office/drawing/2010/main" xmlns="">
                 <a:solidFill>
                   <a:srgbClr val="FFFFFF"/>
                 </a:solidFill>
               </a14:hiddenFill>
             </a:ext>
             <a:ext uri="{91240B29-F687-4f45-9708-019B960494DF}">
-              <a14:hiddenLine xmlns="" xmlns:a14="http://schemas.microsoft.com/office/drawing/2010/main" w="9525">
+              <a14:hiddenLine xmlns:a14="http://schemas.microsoft.com/office/drawing/2010/main" xmlns="" w="9525">
                 <a:solidFill>
                   <a:srgbClr val="000000"/>
                 </a:solidFill>
@@ -8787,14 +8954,14 @@
           </a:ln>
           <a:extLst>
             <a:ext uri="{909E8E84-426E-40dd-AFC4-6F175D3DCCD1}">
-              <a14:hiddenFill xmlns="" xmlns:a14="http://schemas.microsoft.com/office/drawing/2010/main">
+              <a14:hiddenFill xmlns:a14="http://schemas.microsoft.com/office/drawing/2010/main" xmlns="">
                 <a:solidFill>
                   <a:srgbClr val="FFFFFF"/>
                 </a:solidFill>
               </a14:hiddenFill>
             </a:ext>
             <a:ext uri="{91240B29-F687-4f45-9708-019B960494DF}">
-              <a14:hiddenLine xmlns="" xmlns:a14="http://schemas.microsoft.com/office/drawing/2010/main" w="9525">
+              <a14:hiddenLine xmlns:a14="http://schemas.microsoft.com/office/drawing/2010/main" xmlns="" w="9525">
                 <a:solidFill>
                   <a:srgbClr val="000000"/>
                 </a:solidFill>
